--- a/Presentations/Presentation 2.pptx
+++ b/Presentations/Presentation 2.pptx
@@ -14,9 +14,11 @@
     <p:sldId id="270" r:id="rId8"/>
     <p:sldId id="269" r:id="rId9"/>
     <p:sldId id="260" r:id="rId10"/>
-    <p:sldId id="271" r:id="rId11"/>
-    <p:sldId id="272" r:id="rId12"/>
-    <p:sldId id="273" r:id="rId13"/>
+    <p:sldId id="274" r:id="rId11"/>
+    <p:sldId id="275" r:id="rId12"/>
+    <p:sldId id="271" r:id="rId13"/>
+    <p:sldId id="272" r:id="rId14"/>
+    <p:sldId id="273" r:id="rId15"/>
   </p:sldIdLst>
   <p:sldSz cx="12192000" cy="6858000"/>
   <p:notesSz cx="6858000" cy="9144000"/>
@@ -254,7 +256,7 @@
           <a:p>
             <a:fld id="{1324CDB2-7AED-4B93-8330-AB9414506A1B}" type="datetimeFigureOut">
               <a:rPr lang="en-GB" smtClean="0"/>
-              <a:t>14/11/2016</a:t>
+              <a:t>16/11/2016</a:t>
             </a:fld>
             <a:endParaRPr lang="en-GB"/>
           </a:p>
@@ -424,7 +426,7 @@
           <a:p>
             <a:fld id="{1324CDB2-7AED-4B93-8330-AB9414506A1B}" type="datetimeFigureOut">
               <a:rPr lang="en-GB" smtClean="0"/>
-              <a:t>14/11/2016</a:t>
+              <a:t>16/11/2016</a:t>
             </a:fld>
             <a:endParaRPr lang="en-GB"/>
           </a:p>
@@ -604,7 +606,7 @@
           <a:p>
             <a:fld id="{1324CDB2-7AED-4B93-8330-AB9414506A1B}" type="datetimeFigureOut">
               <a:rPr lang="en-GB" smtClean="0"/>
-              <a:t>14/11/2016</a:t>
+              <a:t>16/11/2016</a:t>
             </a:fld>
             <a:endParaRPr lang="en-GB"/>
           </a:p>
@@ -774,7 +776,7 @@
           <a:p>
             <a:fld id="{1324CDB2-7AED-4B93-8330-AB9414506A1B}" type="datetimeFigureOut">
               <a:rPr lang="en-GB" smtClean="0"/>
-              <a:t>14/11/2016</a:t>
+              <a:t>16/11/2016</a:t>
             </a:fld>
             <a:endParaRPr lang="en-GB"/>
           </a:p>
@@ -1020,7 +1022,7 @@
           <a:p>
             <a:fld id="{1324CDB2-7AED-4B93-8330-AB9414506A1B}" type="datetimeFigureOut">
               <a:rPr lang="en-GB" smtClean="0"/>
-              <a:t>14/11/2016</a:t>
+              <a:t>16/11/2016</a:t>
             </a:fld>
             <a:endParaRPr lang="en-GB"/>
           </a:p>
@@ -1252,7 +1254,7 @@
           <a:p>
             <a:fld id="{1324CDB2-7AED-4B93-8330-AB9414506A1B}" type="datetimeFigureOut">
               <a:rPr lang="en-GB" smtClean="0"/>
-              <a:t>14/11/2016</a:t>
+              <a:t>16/11/2016</a:t>
             </a:fld>
             <a:endParaRPr lang="en-GB"/>
           </a:p>
@@ -1619,7 +1621,7 @@
           <a:p>
             <a:fld id="{1324CDB2-7AED-4B93-8330-AB9414506A1B}" type="datetimeFigureOut">
               <a:rPr lang="en-GB" smtClean="0"/>
-              <a:t>14/11/2016</a:t>
+              <a:t>16/11/2016</a:t>
             </a:fld>
             <a:endParaRPr lang="en-GB"/>
           </a:p>
@@ -1737,7 +1739,7 @@
           <a:p>
             <a:fld id="{1324CDB2-7AED-4B93-8330-AB9414506A1B}" type="datetimeFigureOut">
               <a:rPr lang="en-GB" smtClean="0"/>
-              <a:t>14/11/2016</a:t>
+              <a:t>16/11/2016</a:t>
             </a:fld>
             <a:endParaRPr lang="en-GB"/>
           </a:p>
@@ -1832,7 +1834,7 @@
           <a:p>
             <a:fld id="{1324CDB2-7AED-4B93-8330-AB9414506A1B}" type="datetimeFigureOut">
               <a:rPr lang="en-GB" smtClean="0"/>
-              <a:t>14/11/2016</a:t>
+              <a:t>16/11/2016</a:t>
             </a:fld>
             <a:endParaRPr lang="en-GB"/>
           </a:p>
@@ -2109,7 +2111,7 @@
           <a:p>
             <a:fld id="{1324CDB2-7AED-4B93-8330-AB9414506A1B}" type="datetimeFigureOut">
               <a:rPr lang="en-GB" smtClean="0"/>
-              <a:t>14/11/2016</a:t>
+              <a:t>16/11/2016</a:t>
             </a:fld>
             <a:endParaRPr lang="en-GB"/>
           </a:p>
@@ -2362,7 +2364,7 @@
           <a:p>
             <a:fld id="{1324CDB2-7AED-4B93-8330-AB9414506A1B}" type="datetimeFigureOut">
               <a:rPr lang="en-GB" smtClean="0"/>
-              <a:t>14/11/2016</a:t>
+              <a:t>16/11/2016</a:t>
             </a:fld>
             <a:endParaRPr lang="en-GB"/>
           </a:p>
@@ -2578,7 +2580,7 @@
           <a:p>
             <a:fld id="{1324CDB2-7AED-4B93-8330-AB9414506A1B}" type="datetimeFigureOut">
               <a:rPr lang="en-GB" smtClean="0"/>
-              <a:t>14/11/2016</a:t>
+              <a:t>16/11/2016</a:t>
             </a:fld>
             <a:endParaRPr lang="en-GB"/>
           </a:p>
@@ -3133,63 +3135,49 @@
       </p:grpSpPr>
       <p:sp>
         <p:nvSpPr>
-          <p:cNvPr id="4" name="Title 10"/>
-          <p:cNvSpPr txBox="1">
-            <a:spLocks/>
-          </p:cNvSpPr>
-          <p:nvPr/>
-        </p:nvSpPr>
-        <p:spPr>
-          <a:xfrm>
-            <a:off x="1638300" y="0"/>
-            <a:ext cx="9144000" cy="1709737"/>
-          </a:xfrm>
-          <a:prstGeom prst="rect">
-            <a:avLst/>
-          </a:prstGeom>
-        </p:spPr>
-        <p:txBody>
-          <a:bodyPr vert="horz" lIns="91440" tIns="45720" rIns="91440" bIns="45720" rtlCol="0" anchor="ctr">
-            <a:normAutofit/>
+          <p:cNvPr id="2" name="Title 1"/>
+          <p:cNvSpPr>
+            <a:spLocks noGrp="1"/>
+          </p:cNvSpPr>
+          <p:nvPr>
+            <p:ph type="title"/>
+          </p:nvPr>
+        </p:nvSpPr>
+        <p:spPr/>
+        <p:txBody>
+          <a:bodyPr>
+            <a:noAutofit/>
           </a:bodyPr>
-          <a:lstStyle>
-            <a:lvl1pPr algn="l" defTabSz="914400" rtl="0" eaLnBrk="1" latinLnBrk="0" hangingPunct="1">
-              <a:lnSpc>
-                <a:spcPct val="90000"/>
-              </a:lnSpc>
-              <a:spcBef>
-                <a:spcPct val="0"/>
-              </a:spcBef>
-              <a:buNone/>
-              <a:defRPr sz="4400" kern="1200">
-                <a:solidFill>
-                  <a:schemeClr val="tx1"/>
-                </a:solidFill>
-                <a:latin typeface="+mj-lt"/>
-                <a:ea typeface="+mj-ea"/>
-                <a:cs typeface="+mj-cs"/>
-              </a:defRPr>
-            </a:lvl1pPr>
-          </a:lstStyle>
-          <a:p>
-            <a:pPr algn="ctr"/>
-            <a:r>
-              <a:rPr lang="en-GB" sz="7200" b="1" dirty="0">
-                <a:solidFill>
-                  <a:schemeClr val="bg1"/>
+          <a:lstStyle/>
+          <a:p>
+            <a:r>
+              <a:rPr lang="en-GB" sz="5400" b="1" dirty="0" smtClean="0">
+                <a:solidFill>
+                  <a:prstClr val="white"/>
                 </a:solidFill>
                 <a:latin typeface="Arial" panose="020B0604020202020204" pitchFamily="34" charset="0"/>
                 <a:cs typeface="Arial" panose="020B0604020202020204" pitchFamily="34" charset="0"/>
               </a:rPr>
-              <a:t>Game Prototype </a:t>
-            </a:r>
+              <a:t>Pressure Plate &amp; Level End </a:t>
+            </a:r>
+            <a:r>
+              <a:rPr lang="en-GB" sz="5400" b="1" dirty="0">
+                <a:solidFill>
+                  <a:prstClr val="white"/>
+                </a:solidFill>
+                <a:latin typeface="Arial" panose="020B0604020202020204" pitchFamily="34" charset="0"/>
+                <a:cs typeface="Arial" panose="020B0604020202020204" pitchFamily="34" charset="0"/>
+              </a:rPr>
+              <a:t>Art</a:t>
+            </a:r>
+            <a:endParaRPr lang="en-US" sz="3200" dirty="0"/>
           </a:p>
         </p:txBody>
       </p:sp>
     </p:spTree>
     <p:extLst>
       <p:ext uri="{BB962C8B-B14F-4D97-AF65-F5344CB8AC3E}">
-        <p14:creationId xmlns:p14="http://schemas.microsoft.com/office/powerpoint/2010/main" val="3843121934"/>
+        <p14:creationId xmlns:p14="http://schemas.microsoft.com/office/powerpoint/2010/main" val="954636853"/>
       </p:ext>
     </p:extLst>
   </p:cSld>
@@ -3216,6 +3204,151 @@
           <a:chExt cx="0" cy="0"/>
         </a:xfrm>
       </p:grpSpPr>
+      <p:pic>
+        <p:nvPicPr>
+          <p:cNvPr id="4" name="Picture 3"/>
+          <p:cNvPicPr>
+            <a:picLocks noChangeAspect="1"/>
+          </p:cNvPicPr>
+          <p:nvPr/>
+        </p:nvPicPr>
+        <p:blipFill>
+          <a:blip r:embed="rId2" cstate="print">
+            <a:extLst>
+              <a:ext uri="{28A0092B-C50C-407E-A947-70E740481C1C}">
+                <a14:useLocalDpi xmlns:a14="http://schemas.microsoft.com/office/drawing/2010/main" val="0"/>
+              </a:ext>
+            </a:extLst>
+          </a:blip>
+          <a:stretch>
+            <a:fillRect/>
+          </a:stretch>
+        </p:blipFill>
+        <p:spPr>
+          <a:xfrm>
+            <a:off x="2517532" y="0"/>
+            <a:ext cx="6858000" cy="6858000"/>
+          </a:xfrm>
+          <a:prstGeom prst="rect">
+            <a:avLst/>
+          </a:prstGeom>
+        </p:spPr>
+      </p:pic>
+    </p:spTree>
+    <p:extLst>
+      <p:ext uri="{BB962C8B-B14F-4D97-AF65-F5344CB8AC3E}">
+        <p14:creationId xmlns:p14="http://schemas.microsoft.com/office/powerpoint/2010/main" val="2361031953"/>
+      </p:ext>
+    </p:extLst>
+  </p:cSld>
+  <p:clrMapOvr>
+    <a:masterClrMapping/>
+  </p:clrMapOvr>
+</p:sld>
+</file>
+
+<file path=ppt/slides/slide12.xml><?xml version="1.0" encoding="utf-8"?>
+<p:sld xmlns:a="http://schemas.openxmlformats.org/drawingml/2006/main" xmlns:r="http://schemas.openxmlformats.org/officeDocument/2006/relationships" xmlns:p="http://schemas.openxmlformats.org/presentationml/2006/main">
+  <p:cSld>
+    <p:spTree>
+      <p:nvGrpSpPr>
+        <p:cNvPr id="1" name=""/>
+        <p:cNvGrpSpPr/>
+        <p:nvPr/>
+      </p:nvGrpSpPr>
+      <p:grpSpPr>
+        <a:xfrm>
+          <a:off x="0" y="0"/>
+          <a:ext cx="0" cy="0"/>
+          <a:chOff x="0" y="0"/>
+          <a:chExt cx="0" cy="0"/>
+        </a:xfrm>
+      </p:grpSpPr>
+      <p:sp>
+        <p:nvSpPr>
+          <p:cNvPr id="4" name="Title 10"/>
+          <p:cNvSpPr txBox="1">
+            <a:spLocks/>
+          </p:cNvSpPr>
+          <p:nvPr/>
+        </p:nvSpPr>
+        <p:spPr>
+          <a:xfrm>
+            <a:off x="1638300" y="0"/>
+            <a:ext cx="9144000" cy="1709737"/>
+          </a:xfrm>
+          <a:prstGeom prst="rect">
+            <a:avLst/>
+          </a:prstGeom>
+        </p:spPr>
+        <p:txBody>
+          <a:bodyPr vert="horz" lIns="91440" tIns="45720" rIns="91440" bIns="45720" rtlCol="0" anchor="ctr">
+            <a:normAutofit/>
+          </a:bodyPr>
+          <a:lstStyle>
+            <a:lvl1pPr algn="l" defTabSz="914400" rtl="0" eaLnBrk="1" latinLnBrk="0" hangingPunct="1">
+              <a:lnSpc>
+                <a:spcPct val="90000"/>
+              </a:lnSpc>
+              <a:spcBef>
+                <a:spcPct val="0"/>
+              </a:spcBef>
+              <a:buNone/>
+              <a:defRPr sz="4400" kern="1200">
+                <a:solidFill>
+                  <a:schemeClr val="tx1"/>
+                </a:solidFill>
+                <a:latin typeface="+mj-lt"/>
+                <a:ea typeface="+mj-ea"/>
+                <a:cs typeface="+mj-cs"/>
+              </a:defRPr>
+            </a:lvl1pPr>
+          </a:lstStyle>
+          <a:p>
+            <a:pPr algn="ctr"/>
+            <a:r>
+              <a:rPr lang="en-GB" sz="7200" b="1" dirty="0">
+                <a:solidFill>
+                  <a:schemeClr val="bg1"/>
+                </a:solidFill>
+                <a:latin typeface="Arial" panose="020B0604020202020204" pitchFamily="34" charset="0"/>
+                <a:cs typeface="Arial" panose="020B0604020202020204" pitchFamily="34" charset="0"/>
+              </a:rPr>
+              <a:t>Game Prototype </a:t>
+            </a:r>
+          </a:p>
+        </p:txBody>
+      </p:sp>
+    </p:spTree>
+    <p:extLst>
+      <p:ext uri="{BB962C8B-B14F-4D97-AF65-F5344CB8AC3E}">
+        <p14:creationId xmlns:p14="http://schemas.microsoft.com/office/powerpoint/2010/main" val="3843121934"/>
+      </p:ext>
+    </p:extLst>
+  </p:cSld>
+  <p:clrMapOvr>
+    <a:masterClrMapping/>
+  </p:clrMapOvr>
+</p:sld>
+</file>
+
+<file path=ppt/slides/slide13.xml><?xml version="1.0" encoding="utf-8"?>
+<p:sld xmlns:a="http://schemas.openxmlformats.org/drawingml/2006/main" xmlns:r="http://schemas.openxmlformats.org/officeDocument/2006/relationships" xmlns:p="http://schemas.openxmlformats.org/presentationml/2006/main">
+  <p:cSld>
+    <p:spTree>
+      <p:nvGrpSpPr>
+        <p:cNvPr id="1" name=""/>
+        <p:cNvGrpSpPr/>
+        <p:nvPr/>
+      </p:nvGrpSpPr>
+      <p:grpSpPr>
+        <a:xfrm>
+          <a:off x="0" y="0"/>
+          <a:ext cx="0" cy="0"/>
+          <a:chOff x="0" y="0"/>
+          <a:chExt cx="0" cy="0"/>
+        </a:xfrm>
+      </p:grpSpPr>
       <p:sp>
         <p:nvSpPr>
           <p:cNvPr id="4" name="Title 10"/>
@@ -3371,7 +3504,7 @@
 </p:sld>
 </file>
 
-<file path=ppt/slides/slide12.xml><?xml version="1.0" encoding="utf-8"?>
+<file path=ppt/slides/slide14.xml><?xml version="1.0" encoding="utf-8"?>
 <p:sld xmlns:a="http://schemas.openxmlformats.org/drawingml/2006/main" xmlns:r="http://schemas.openxmlformats.org/officeDocument/2006/relationships" xmlns:p="http://schemas.openxmlformats.org/presentationml/2006/main">
   <p:cSld>
     <p:spTree>
@@ -3622,6 +3755,14 @@
           </a:p>
           <a:p>
             <a:pPr algn="l"/>
+            <a:r>
+              <a:rPr lang="en-GB" b="1" i="1" dirty="0">
+                <a:solidFill>
+                  <a:schemeClr val="bg1"/>
+                </a:solidFill>
+              </a:rPr>
+              <a:t/>
+            </a:r>
             <a:br>
               <a:rPr lang="en-GB" b="1" i="1" dirty="0">
                 <a:solidFill>
@@ -4374,7 +4515,7 @@
           <p:nvPr/>
         </p:nvPicPr>
         <p:blipFill>
-          <a:blip r:embed="rId4">
+          <a:blip r:embed="rId4" cstate="print">
             <a:extLst>
               <a:ext uri="{28A0092B-C50C-407E-A947-70E740481C1C}">
                 <a14:useLocalDpi xmlns:a14="http://schemas.microsoft.com/office/drawing/2010/main" val="0"/>
